--- a/ppt/vds.pptx
+++ b/ppt/vds.pptx
@@ -1,17 +1,17 @@
 
 <file path=ppt/presentation.xml><?xml version="1.0" encoding="utf-8"?>
-<p:presentation xmlns:a="http://schemas.openxmlformats.org/drawingml/2006/main" xmlns:r="http://schemas.openxmlformats.org/officeDocument/2006/relationships" xmlns:p="http://schemas.openxmlformats.org/presentationml/2006/main" saveSubsetFonts="1">
+<p:presentation xmlns:a="http://schemas.openxmlformats.org/drawingml/2006/main" xmlns:r="http://schemas.openxmlformats.org/officeDocument/2006/relationships" xmlns:p="http://schemas.openxmlformats.org/presentationml/2006/main">
   <p:sldMasterIdLst>
     <p:sldMasterId id="2147483648" r:id="rId1"/>
   </p:sldMasterIdLst>
   <p:notesMasterIdLst>
-    <p:notesMasterId r:id="rId3"/>
+    <p:notesMasterId r:id="rId4"/>
   </p:notesMasterIdLst>
   <p:sldIdLst>
-    <p:sldId id="357" r:id="rId2"/>
+    <p:sldId id="357" r:id="rId3"/>
   </p:sldIdLst>
   <p:sldSz cx="12192000" cy="6858000"/>
-  <p:notesSz cx="7104063" cy="10234613"/>
+  <p:notesSz cx="7103745" cy="10234295"/>
   <p:defaultTextStyle>
     <a:defPPr>
       <a:defRPr lang="en-US"/>
@@ -107,14 +107,6 @@
       </a:defRPr>
     </a:lvl9pPr>
   </p:defaultTextStyle>
-  <p:extLst>
-    <p:ext uri="{EFAFB233-063F-42B5-8137-9DF3F51BA10A}">
-      <p15:sldGuideLst xmlns:p15="http://schemas.microsoft.com/office/powerpoint/2012/main"/>
-    </p:ext>
-    <p:ext uri="{2D200454-40CA-4A62-9FC3-DE9A4176ACB9}">
-      <p15:notesGuideLst xmlns:p15="http://schemas.microsoft.com/office/powerpoint/2012/main"/>
-    </p:ext>
-  </p:extLst>
 </p:presentation>
 </file>
 
@@ -206,7 +198,6 @@
           <a:p>
             <a:fld id="{3EFD42F7-718C-4B98-AAEC-167E6DDD60A7}" type="datetimeFigureOut">
               <a:rPr lang="en-US" smtClean="0"/>
-              <a:t>11/20/19</a:t>
             </a:fld>
             <a:endParaRPr lang="en-US"/>
           </a:p>
@@ -273,6 +264,7 @@
               <a:rPr lang="en-US" smtClean="0"/>
               <a:t>Click to edit Master text styles</a:t>
             </a:r>
+            <a:endParaRPr lang="en-US" smtClean="0"/>
           </a:p>
           <a:p>
             <a:pPr lvl="1"/>
@@ -280,6 +272,7 @@
               <a:rPr lang="en-US" smtClean="0"/>
               <a:t>Second level</a:t>
             </a:r>
+            <a:endParaRPr lang="en-US" smtClean="0"/>
           </a:p>
           <a:p>
             <a:pPr lvl="2"/>
@@ -287,6 +280,7 @@
               <a:rPr lang="en-US" smtClean="0"/>
               <a:t>Third level</a:t>
             </a:r>
+            <a:endParaRPr lang="en-US" smtClean="0"/>
           </a:p>
           <a:p>
             <a:pPr lvl="3"/>
@@ -294,6 +288,7 @@
               <a:rPr lang="en-US" smtClean="0"/>
               <a:t>Fourth level</a:t>
             </a:r>
+            <a:endParaRPr lang="en-US" smtClean="0"/>
           </a:p>
           <a:p>
             <a:pPr lvl="4"/>
@@ -365,7 +360,6 @@
           <a:p>
             <a:fld id="{21B2AA4F-B828-4D7C-AFD3-893933DAFCB4}" type="slidenum">
               <a:rPr lang="en-US" smtClean="0"/>
-              <a:t>‹#›</a:t>
             </a:fld>
             <a:endParaRPr lang="en-US"/>
           </a:p>
@@ -715,7 +709,6 @@
               <a:rPr lang="en-US" altLang="zh-CN" dirty="0">
                 <a:ea typeface="SimSun" pitchFamily="2" charset="-122"/>
               </a:rPr>
-              <a:t>1</a:t>
             </a:fld>
             <a:endParaRPr lang="en-US" altLang="zh-CN" dirty="0">
               <a:ea typeface="SimSun" pitchFamily="2" charset="-122"/>
@@ -724,11 +717,6 @@
         </p:txBody>
       </p:sp>
     </p:spTree>
-    <p:extLst>
-      <p:ext uri="{BB962C8B-B14F-4D97-AF65-F5344CB8AC3E}">
-        <p14:creationId xmlns:p14="http://schemas.microsoft.com/office/powerpoint/2010/main" val="2093758622"/>
-      </p:ext>
-    </p:extLst>
   </p:cSld>
   <p:clrMapOvr>
     <a:masterClrMapping/>
@@ -867,7 +855,6 @@
           <a:p>
             <a:fld id="{FDE934FF-F4E1-47C5-9CA5-30A81DDE2BE4}" type="datetimeFigureOut">
               <a:rPr lang="en-US" smtClean="0"/>
-              <a:t>11/20/19</a:t>
             </a:fld>
             <a:endParaRPr lang="en-US"/>
           </a:p>
@@ -909,7 +896,6 @@
           <a:p>
             <a:fld id="{B3561BA9-CDCF-4958-B8AB-66F3BF063E13}" type="slidenum">
               <a:rPr lang="en-US" smtClean="0"/>
-              <a:t>‹#›</a:t>
             </a:fld>
             <a:endParaRPr lang="en-US"/>
           </a:p>
@@ -965,6 +951,7 @@
               <a:rPr lang="en-US" smtClean="0"/>
               <a:t>Click to edit Master text styles</a:t>
             </a:r>
+            <a:endParaRPr lang="en-US" smtClean="0"/>
           </a:p>
           <a:p>
             <a:pPr lvl="1"/>
@@ -972,6 +959,7 @@
               <a:rPr lang="en-US" smtClean="0"/>
               <a:t>Second level</a:t>
             </a:r>
+            <a:endParaRPr lang="en-US" smtClean="0"/>
           </a:p>
           <a:p>
             <a:pPr lvl="2"/>
@@ -979,6 +967,7 @@
               <a:rPr lang="en-US" smtClean="0"/>
               <a:t>Third level</a:t>
             </a:r>
+            <a:endParaRPr lang="en-US" smtClean="0"/>
           </a:p>
           <a:p>
             <a:pPr lvl="3"/>
@@ -986,6 +975,7 @@
               <a:rPr lang="en-US" smtClean="0"/>
               <a:t>Fourth level</a:t>
             </a:r>
+            <a:endParaRPr lang="en-US" smtClean="0"/>
           </a:p>
           <a:p>
             <a:pPr lvl="4"/>
@@ -1014,7 +1004,6 @@
           <a:p>
             <a:fld id="{FDE934FF-F4E1-47C5-9CA5-30A81DDE2BE4}" type="datetimeFigureOut">
               <a:rPr lang="en-US" smtClean="0"/>
-              <a:t>11/20/19</a:t>
             </a:fld>
             <a:endParaRPr lang="en-US"/>
           </a:p>
@@ -1056,7 +1045,6 @@
           <a:p>
             <a:fld id="{B3561BA9-CDCF-4958-B8AB-66F3BF063E13}" type="slidenum">
               <a:rPr lang="en-US" smtClean="0"/>
-              <a:t>‹#›</a:t>
             </a:fld>
             <a:endParaRPr lang="en-US"/>
           </a:p>
@@ -1130,6 +1118,7 @@
               <a:rPr lang="en-US" smtClean="0"/>
               <a:t>Click to edit Master text styles</a:t>
             </a:r>
+            <a:endParaRPr lang="en-US" smtClean="0"/>
           </a:p>
           <a:p>
             <a:pPr lvl="1"/>
@@ -1137,6 +1126,7 @@
               <a:rPr lang="en-US" smtClean="0"/>
               <a:t>Second level</a:t>
             </a:r>
+            <a:endParaRPr lang="en-US" smtClean="0"/>
           </a:p>
           <a:p>
             <a:pPr lvl="2"/>
@@ -1144,6 +1134,7 @@
               <a:rPr lang="en-US" smtClean="0"/>
               <a:t>Third level</a:t>
             </a:r>
+            <a:endParaRPr lang="en-US" smtClean="0"/>
           </a:p>
           <a:p>
             <a:pPr lvl="3"/>
@@ -1151,6 +1142,7 @@
               <a:rPr lang="en-US" smtClean="0"/>
               <a:t>Fourth level</a:t>
             </a:r>
+            <a:endParaRPr lang="en-US" smtClean="0"/>
           </a:p>
           <a:p>
             <a:pPr lvl="4"/>
@@ -1179,7 +1171,6 @@
           <a:p>
             <a:fld id="{FDE934FF-F4E1-47C5-9CA5-30A81DDE2BE4}" type="datetimeFigureOut">
               <a:rPr lang="en-US" smtClean="0"/>
-              <a:t>11/20/19</a:t>
             </a:fld>
             <a:endParaRPr lang="en-US"/>
           </a:p>
@@ -1221,7 +1212,6 @@
           <a:p>
             <a:fld id="{B3561BA9-CDCF-4958-B8AB-66F3BF063E13}" type="slidenum">
               <a:rPr lang="en-US" smtClean="0"/>
-              <a:t>‹#›</a:t>
             </a:fld>
             <a:endParaRPr lang="en-US"/>
           </a:p>
@@ -1400,6 +1390,7 @@
               <a:rPr lang="en-US" smtClean="0"/>
               <a:t>Click to edit Master text styles</a:t>
             </a:r>
+            <a:endParaRPr lang="en-US" smtClean="0"/>
           </a:p>
         </p:txBody>
       </p:sp>
@@ -1420,7 +1411,6 @@
           <a:p>
             <a:fld id="{FDE934FF-F4E1-47C5-9CA5-30A81DDE2BE4}" type="datetimeFigureOut">
               <a:rPr lang="en-US" smtClean="0"/>
-              <a:t>11/20/19</a:t>
             </a:fld>
             <a:endParaRPr lang="en-US"/>
           </a:p>
@@ -1462,7 +1452,6 @@
           <a:p>
             <a:fld id="{B3561BA9-CDCF-4958-B8AB-66F3BF063E13}" type="slidenum">
               <a:rPr lang="en-US" smtClean="0"/>
-              <a:t>‹#›</a:t>
             </a:fld>
             <a:endParaRPr lang="en-US"/>
           </a:p>
@@ -1541,6 +1530,7 @@
               <a:rPr lang="en-US" smtClean="0"/>
               <a:t>Click to edit Master text styles</a:t>
             </a:r>
+            <a:endParaRPr lang="en-US" smtClean="0"/>
           </a:p>
           <a:p>
             <a:pPr lvl="1"/>
@@ -1548,6 +1538,7 @@
               <a:rPr lang="en-US" smtClean="0"/>
               <a:t>Second level</a:t>
             </a:r>
+            <a:endParaRPr lang="en-US" smtClean="0"/>
           </a:p>
           <a:p>
             <a:pPr lvl="2"/>
@@ -1555,6 +1546,7 @@
               <a:rPr lang="en-US" smtClean="0"/>
               <a:t>Third level</a:t>
             </a:r>
+            <a:endParaRPr lang="en-US" smtClean="0"/>
           </a:p>
           <a:p>
             <a:pPr lvl="3"/>
@@ -1562,6 +1554,7 @@
               <a:rPr lang="en-US" smtClean="0"/>
               <a:t>Fourth level</a:t>
             </a:r>
+            <a:endParaRPr lang="en-US" smtClean="0"/>
           </a:p>
           <a:p>
             <a:pPr lvl="4"/>
@@ -1598,6 +1591,7 @@
               <a:rPr lang="en-US" smtClean="0"/>
               <a:t>Click to edit Master text styles</a:t>
             </a:r>
+            <a:endParaRPr lang="en-US" smtClean="0"/>
           </a:p>
           <a:p>
             <a:pPr lvl="1"/>
@@ -1605,6 +1599,7 @@
               <a:rPr lang="en-US" smtClean="0"/>
               <a:t>Second level</a:t>
             </a:r>
+            <a:endParaRPr lang="en-US" smtClean="0"/>
           </a:p>
           <a:p>
             <a:pPr lvl="2"/>
@@ -1612,6 +1607,7 @@
               <a:rPr lang="en-US" smtClean="0"/>
               <a:t>Third level</a:t>
             </a:r>
+            <a:endParaRPr lang="en-US" smtClean="0"/>
           </a:p>
           <a:p>
             <a:pPr lvl="3"/>
@@ -1619,6 +1615,7 @@
               <a:rPr lang="en-US" smtClean="0"/>
               <a:t>Fourth level</a:t>
             </a:r>
+            <a:endParaRPr lang="en-US" smtClean="0"/>
           </a:p>
           <a:p>
             <a:pPr lvl="4"/>
@@ -1647,7 +1644,6 @@
           <a:p>
             <a:fld id="{FDE934FF-F4E1-47C5-9CA5-30A81DDE2BE4}" type="datetimeFigureOut">
               <a:rPr lang="en-US" smtClean="0"/>
-              <a:t>11/20/19</a:t>
             </a:fld>
             <a:endParaRPr lang="en-US"/>
           </a:p>
@@ -1689,7 +1685,6 @@
           <a:p>
             <a:fld id="{B3561BA9-CDCF-4958-B8AB-66F3BF063E13}" type="slidenum">
               <a:rPr lang="en-US" smtClean="0"/>
-              <a:t>‹#›</a:t>
             </a:fld>
             <a:endParaRPr lang="en-US"/>
           </a:p>
@@ -1810,6 +1805,7 @@
               <a:rPr lang="en-US" smtClean="0"/>
               <a:t>Click to edit Master text styles</a:t>
             </a:r>
+            <a:endParaRPr lang="en-US" smtClean="0"/>
           </a:p>
         </p:txBody>
       </p:sp>
@@ -1838,6 +1834,7 @@
               <a:rPr lang="en-US" smtClean="0"/>
               <a:t>Click to edit Master text styles</a:t>
             </a:r>
+            <a:endParaRPr lang="en-US" smtClean="0"/>
           </a:p>
           <a:p>
             <a:pPr lvl="1"/>
@@ -1845,6 +1842,7 @@
               <a:rPr lang="en-US" smtClean="0"/>
               <a:t>Second level</a:t>
             </a:r>
+            <a:endParaRPr lang="en-US" smtClean="0"/>
           </a:p>
           <a:p>
             <a:pPr lvl="2"/>
@@ -1852,6 +1850,7 @@
               <a:rPr lang="en-US" smtClean="0"/>
               <a:t>Third level</a:t>
             </a:r>
+            <a:endParaRPr lang="en-US" smtClean="0"/>
           </a:p>
           <a:p>
             <a:pPr lvl="3"/>
@@ -1859,6 +1858,7 @@
               <a:rPr lang="en-US" smtClean="0"/>
               <a:t>Fourth level</a:t>
             </a:r>
+            <a:endParaRPr lang="en-US" smtClean="0"/>
           </a:p>
           <a:p>
             <a:pPr lvl="4"/>
@@ -1932,6 +1932,7 @@
               <a:rPr lang="en-US" smtClean="0"/>
               <a:t>Click to edit Master text styles</a:t>
             </a:r>
+            <a:endParaRPr lang="en-US" smtClean="0"/>
           </a:p>
         </p:txBody>
       </p:sp>
@@ -1960,6 +1961,7 @@
               <a:rPr lang="en-US" smtClean="0"/>
               <a:t>Click to edit Master text styles</a:t>
             </a:r>
+            <a:endParaRPr lang="en-US" smtClean="0"/>
           </a:p>
           <a:p>
             <a:pPr lvl="1"/>
@@ -1967,6 +1969,7 @@
               <a:rPr lang="en-US" smtClean="0"/>
               <a:t>Second level</a:t>
             </a:r>
+            <a:endParaRPr lang="en-US" smtClean="0"/>
           </a:p>
           <a:p>
             <a:pPr lvl="2"/>
@@ -1974,6 +1977,7 @@
               <a:rPr lang="en-US" smtClean="0"/>
               <a:t>Third level</a:t>
             </a:r>
+            <a:endParaRPr lang="en-US" smtClean="0"/>
           </a:p>
           <a:p>
             <a:pPr lvl="3"/>
@@ -1981,6 +1985,7 @@
               <a:rPr lang="en-US" smtClean="0"/>
               <a:t>Fourth level</a:t>
             </a:r>
+            <a:endParaRPr lang="en-US" smtClean="0"/>
           </a:p>
           <a:p>
             <a:pPr lvl="4"/>
@@ -2009,7 +2014,6 @@
           <a:p>
             <a:fld id="{FDE934FF-F4E1-47C5-9CA5-30A81DDE2BE4}" type="datetimeFigureOut">
               <a:rPr lang="en-US" smtClean="0"/>
-              <a:t>11/20/19</a:t>
             </a:fld>
             <a:endParaRPr lang="en-US"/>
           </a:p>
@@ -2051,7 +2055,6 @@
           <a:p>
             <a:fld id="{B3561BA9-CDCF-4958-B8AB-66F3BF063E13}" type="slidenum">
               <a:rPr lang="en-US" smtClean="0"/>
-              <a:t>‹#›</a:t>
             </a:fld>
             <a:endParaRPr lang="en-US"/>
           </a:p>
@@ -2122,7 +2125,6 @@
           <a:p>
             <a:fld id="{FDE934FF-F4E1-47C5-9CA5-30A81DDE2BE4}" type="datetimeFigureOut">
               <a:rPr lang="en-US" smtClean="0"/>
-              <a:t>11/20/19</a:t>
             </a:fld>
             <a:endParaRPr lang="en-US"/>
           </a:p>
@@ -2164,7 +2166,6 @@
           <a:p>
             <a:fld id="{B3561BA9-CDCF-4958-B8AB-66F3BF063E13}" type="slidenum">
               <a:rPr lang="en-US" smtClean="0"/>
-              <a:t>‹#›</a:t>
             </a:fld>
             <a:endParaRPr lang="en-US"/>
           </a:p>
@@ -2212,7 +2213,6 @@
           <a:p>
             <a:fld id="{FDE934FF-F4E1-47C5-9CA5-30A81DDE2BE4}" type="datetimeFigureOut">
               <a:rPr lang="en-US" smtClean="0"/>
-              <a:t>11/20/19</a:t>
             </a:fld>
             <a:endParaRPr lang="en-US"/>
           </a:p>
@@ -2254,7 +2254,6 @@
           <a:p>
             <a:fld id="{B3561BA9-CDCF-4958-B8AB-66F3BF063E13}" type="slidenum">
               <a:rPr lang="en-US" smtClean="0"/>
-              <a:t>‹#›</a:t>
             </a:fld>
             <a:endParaRPr lang="en-US"/>
           </a:p>
@@ -2440,6 +2439,7 @@
               <a:rPr lang="en-US" smtClean="0"/>
               <a:t>Click to edit Master text styles</a:t>
             </a:r>
+            <a:endParaRPr lang="en-US" smtClean="0"/>
           </a:p>
         </p:txBody>
       </p:sp>
@@ -2460,7 +2460,6 @@
           <a:p>
             <a:fld id="{FDE934FF-F4E1-47C5-9CA5-30A81DDE2BE4}" type="datetimeFigureOut">
               <a:rPr lang="en-US" smtClean="0"/>
-              <a:t>11/20/19</a:t>
             </a:fld>
             <a:endParaRPr lang="en-US"/>
           </a:p>
@@ -2502,7 +2501,6 @@
           <a:p>
             <a:fld id="{B3561BA9-CDCF-4958-B8AB-66F3BF063E13}" type="slidenum">
               <a:rPr lang="en-US" smtClean="0"/>
-              <a:t>‹#›</a:t>
             </a:fld>
             <a:endParaRPr lang="en-US"/>
           </a:p>
@@ -2593,6 +2591,7 @@
               <a:rPr lang="en-US" smtClean="0"/>
               <a:t>Click to edit Master text styles</a:t>
             </a:r>
+            <a:endParaRPr lang="en-US" smtClean="0"/>
           </a:p>
           <a:p>
             <a:pPr lvl="1"/>
@@ -2600,6 +2599,7 @@
               <a:rPr lang="en-US" smtClean="0"/>
               <a:t>Second level</a:t>
             </a:r>
+            <a:endParaRPr lang="en-US" smtClean="0"/>
           </a:p>
           <a:p>
             <a:pPr lvl="2"/>
@@ -2607,6 +2607,7 @@
               <a:rPr lang="en-US" smtClean="0"/>
               <a:t>Third level</a:t>
             </a:r>
+            <a:endParaRPr lang="en-US" smtClean="0"/>
           </a:p>
           <a:p>
             <a:pPr lvl="3"/>
@@ -2614,6 +2615,7 @@
               <a:rPr lang="en-US" smtClean="0"/>
               <a:t>Fourth level</a:t>
             </a:r>
+            <a:endParaRPr lang="en-US" smtClean="0"/>
           </a:p>
           <a:p>
             <a:pPr lvl="4"/>
@@ -2642,7 +2644,6 @@
           <a:p>
             <a:fld id="{FDE934FF-F4E1-47C5-9CA5-30A81DDE2BE4}" type="datetimeFigureOut">
               <a:rPr lang="en-US" smtClean="0"/>
-              <a:t>11/20/19</a:t>
             </a:fld>
             <a:endParaRPr lang="en-US"/>
           </a:p>
@@ -2684,7 +2685,6 @@
           <a:p>
             <a:fld id="{B3561BA9-CDCF-4958-B8AB-66F3BF063E13}" type="slidenum">
               <a:rPr lang="en-US" smtClean="0"/>
-              <a:t>‹#›</a:t>
             </a:fld>
             <a:endParaRPr lang="en-US"/>
           </a:p>
@@ -2783,6 +2783,7 @@
               <a:rPr lang="en-US" smtClean="0"/>
               <a:t>Click to edit Master text styles</a:t>
             </a:r>
+            <a:endParaRPr lang="en-US" smtClean="0"/>
           </a:p>
           <a:p>
             <a:pPr lvl="1"/>
@@ -2790,6 +2791,7 @@
               <a:rPr lang="en-US" smtClean="0"/>
               <a:t>Second level</a:t>
             </a:r>
+            <a:endParaRPr lang="en-US" smtClean="0"/>
           </a:p>
           <a:p>
             <a:pPr lvl="2"/>
@@ -2797,6 +2799,7 @@
               <a:rPr lang="en-US" smtClean="0"/>
               <a:t>Third level</a:t>
             </a:r>
+            <a:endParaRPr lang="en-US" smtClean="0"/>
           </a:p>
           <a:p>
             <a:pPr lvl="3"/>
@@ -2804,6 +2807,7 @@
               <a:rPr lang="en-US" smtClean="0"/>
               <a:t>Fourth level</a:t>
             </a:r>
+            <a:endParaRPr lang="en-US" smtClean="0"/>
           </a:p>
           <a:p>
             <a:pPr lvl="4"/>
@@ -2850,7 +2854,6 @@
           <a:p>
             <a:fld id="{FDE934FF-F4E1-47C5-9CA5-30A81DDE2BE4}" type="datetimeFigureOut">
               <a:rPr lang="en-US" smtClean="0"/>
-              <a:t>11/20/19</a:t>
             </a:fld>
             <a:endParaRPr lang="en-US"/>
           </a:p>
@@ -2928,7 +2931,6 @@
           <a:p>
             <a:fld id="{B3561BA9-CDCF-4958-B8AB-66F3BF063E13}" type="slidenum">
               <a:rPr lang="en-US" smtClean="0"/>
-              <a:t>‹#›</a:t>
             </a:fld>
             <a:endParaRPr lang="en-US"/>
           </a:p>
@@ -3251,36 +3253,6 @@
       </p:grpSpPr>
       <p:pic>
         <p:nvPicPr>
-          <p:cNvPr id="3" name="Picture 2"/>
-          <p:cNvPicPr>
-            <a:picLocks noChangeAspect="1"/>
-          </p:cNvPicPr>
-          <p:nvPr/>
-        </p:nvPicPr>
-        <p:blipFill>
-          <a:blip r:embed="rId3"/>
-          <a:stretch>
-            <a:fillRect/>
-          </a:stretch>
-        </p:blipFill>
-        <p:spPr>
-          <a:xfrm>
-            <a:off x="9171642" y="0"/>
-            <a:ext cx="2103715" cy="2739722"/>
-          </a:xfrm>
-          <a:prstGeom prst="rect">
-            <a:avLst/>
-          </a:prstGeom>
-          <a:solidFill>
-            <a:schemeClr val="accent4">
-              <a:lumMod val="40000"/>
-              <a:lumOff val="60000"/>
-            </a:schemeClr>
-          </a:solidFill>
-        </p:spPr>
-      </p:pic>
-      <p:pic>
-        <p:nvPicPr>
           <p:cNvPr id="39938" name="Ink 1"/>
           <p:cNvPicPr>
             <a:picLocks noChangeAspect="1"/>
@@ -3288,7 +3260,7 @@
           <p:nvPr/>
         </p:nvPicPr>
         <p:blipFill>
-          <a:blip r:embed="rId4"/>
+          <a:blip r:embed="rId1"/>
           <a:stretch>
             <a:fillRect/>
           </a:stretch>
@@ -3573,12 +3545,17 @@
         </p:nvSpPr>
         <p:spPr>
           <a:xfrm>
-            <a:off x="6947496" y="2568337"/>
+            <a:off x="7051636" y="512842"/>
             <a:ext cx="597745" cy="787400"/>
           </a:xfrm>
           <a:prstGeom prst="can">
             <a:avLst/>
           </a:prstGeom>
+          <a:solidFill>
+            <a:schemeClr val="bg2">
+              <a:lumMod val="90000"/>
+            </a:schemeClr>
+          </a:solidFill>
         </p:spPr>
         <p:style>
           <a:lnRef idx="2">
@@ -3613,8 +3590,8 @@
         </p:nvSpPr>
         <p:spPr>
           <a:xfrm>
-            <a:off x="5346233" y="1647688"/>
-            <a:ext cx="558800" cy="571500"/>
+            <a:off x="5916295" y="2199640"/>
+            <a:ext cx="465455" cy="478790"/>
           </a:xfrm>
           <a:prstGeom prst="smileyFace">
             <a:avLst/>
@@ -3653,17 +3630,19 @@
           <p:cNvPr id="7" name="Curved Connector 6"/>
           <p:cNvCxnSpPr>
             <a:stCxn id="4" idx="4"/>
-            <a:endCxn id="3" idx="2"/>
+            <a:endCxn id="3" idx="1"/>
           </p:cNvCxnSpPr>
           <p:nvPr/>
         </p:nvCxnSpPr>
         <p:spPr>
-          <a:xfrm flipV="1">
-            <a:off x="7545241" y="2739722"/>
-            <a:ext cx="2678259" cy="222315"/>
-          </a:xfrm>
-          <a:prstGeom prst="curvedConnector2">
-            <a:avLst/>
+          <a:xfrm>
+            <a:off x="7649210" y="906780"/>
+            <a:ext cx="1544955" cy="631190"/>
+          </a:xfrm>
+          <a:prstGeom prst="curvedConnector3">
+            <a:avLst>
+              <a:gd name="adj1" fmla="val 50021"/>
+            </a:avLst>
           </a:prstGeom>
           <a:ln>
             <a:headEnd type="triangle"/>
@@ -3689,15 +3668,15 @@
         <p:nvCxnSpPr>
           <p:cNvPr id="11" name="Curved Connector 10"/>
           <p:cNvCxnSpPr>
-            <a:stCxn id="5" idx="4"/>
+            <a:stCxn id="5" idx="0"/>
             <a:endCxn id="4" idx="2"/>
           </p:cNvCxnSpPr>
           <p:nvPr/>
         </p:nvCxnSpPr>
         <p:spPr>
-          <a:xfrm rot="16200000" flipH="1">
-            <a:off x="5915140" y="1929680"/>
-            <a:ext cx="742849" cy="1321863"/>
+          <a:xfrm rot="16200000">
+            <a:off x="5954078" y="1102043"/>
+            <a:ext cx="1292860" cy="902335"/>
           </a:xfrm>
           <a:prstGeom prst="curvedConnector2">
             <a:avLst/>
@@ -3731,9 +3710,9 @@
           <p:nvPr/>
         </p:nvCxnSpPr>
         <p:spPr>
-          <a:xfrm rot="5400000" flipH="1" flipV="1">
-            <a:off x="7259724" y="-264229"/>
-            <a:ext cx="277827" cy="3546009"/>
+          <a:xfrm rot="16200000">
+            <a:off x="7340918" y="346393"/>
+            <a:ext cx="661670" cy="3044825"/>
           </a:xfrm>
           <a:prstGeom prst="curvedConnector2">
             <a:avLst/>
@@ -3757,113 +3736,173 @@
           </a:fontRef>
         </p:style>
       </p:cxnSp>
-      <p:pic>
-        <p:nvPicPr>
-          <p:cNvPr id="64" name="Picture 63"/>
-          <p:cNvPicPr>
-            <a:picLocks noChangeAspect="1"/>
-          </p:cNvPicPr>
+      <p:grpSp>
+        <p:nvGrpSpPr>
+          <p:cNvPr id="6" name="Group 5"/>
+          <p:cNvGrpSpPr/>
           <p:nvPr/>
-        </p:nvPicPr>
-        <p:blipFill>
-          <a:blip r:embed="rId3"/>
-          <a:stretch>
-            <a:fillRect/>
-          </a:stretch>
-        </p:blipFill>
-        <p:spPr>
+        </p:nvGrpSpPr>
+        <p:grpSpPr>
           <a:xfrm>
-            <a:off x="9260542" y="3741586"/>
+            <a:off x="9194165" y="167640"/>
             <a:ext cx="2103715" cy="2739722"/>
-          </a:xfrm>
-          <a:prstGeom prst="rect">
-            <a:avLst/>
-          </a:prstGeom>
-          <a:solidFill>
-            <a:schemeClr val="accent4">
-              <a:lumMod val="40000"/>
-              <a:lumOff val="60000"/>
-            </a:schemeClr>
-          </a:solidFill>
-        </p:spPr>
-      </p:pic>
-      <p:sp>
-        <p:nvSpPr>
-          <p:cNvPr id="39937" name="TextBox 39936"/>
-          <p:cNvSpPr txBox="1"/>
+            <a:chOff x="14392" y="91"/>
+            <a:chExt cx="3313" cy="4315"/>
+          </a:xfrm>
+        </p:grpSpPr>
+        <p:pic>
+          <p:nvPicPr>
+            <p:cNvPr id="3" name="Picture 2"/>
+            <p:cNvPicPr>
+              <a:picLocks noChangeAspect="1"/>
+            </p:cNvPicPr>
+            <p:nvPr/>
+          </p:nvPicPr>
+          <p:blipFill>
+            <a:blip r:embed="rId2"/>
+            <a:stretch>
+              <a:fillRect/>
+            </a:stretch>
+          </p:blipFill>
+          <p:spPr>
+            <a:xfrm>
+              <a:off x="14392" y="91"/>
+              <a:ext cx="3313" cy="4315"/>
+            </a:xfrm>
+            <a:prstGeom prst="rect">
+              <a:avLst/>
+            </a:prstGeom>
+            <a:solidFill>
+              <a:schemeClr val="accent4">
+                <a:lumMod val="40000"/>
+                <a:lumOff val="60000"/>
+              </a:schemeClr>
+            </a:solidFill>
+          </p:spPr>
+        </p:pic>
+        <p:sp>
+          <p:nvSpPr>
+            <p:cNvPr id="39937" name="TextBox 39936"/>
+            <p:cNvSpPr txBox="1"/>
+            <p:nvPr/>
+          </p:nvSpPr>
+          <p:spPr>
+            <a:xfrm>
+              <a:off x="14584" y="3706"/>
+              <a:ext cx="807" cy="580"/>
+            </a:xfrm>
+            <a:prstGeom prst="rect">
+              <a:avLst/>
+            </a:prstGeom>
+            <a:noFill/>
+          </p:spPr>
+          <p:txBody>
+            <a:bodyPr wrap="none" rtlCol="0">
+              <a:spAutoFit/>
+            </a:bodyPr>
+            <a:lstStyle/>
+            <a:p>
+              <a:r>
+                <a:rPr lang="en-US" smtClean="0"/>
+                <a:t>btc</a:t>
+              </a:r>
+              <a:endParaRPr lang="en-US" smtClean="0"/>
+            </a:p>
+          </p:txBody>
+        </p:sp>
+      </p:grpSp>
+      <p:grpSp>
+        <p:nvGrpSpPr>
+          <p:cNvPr id="2" name="Group 1"/>
+          <p:cNvGrpSpPr/>
           <p:nvPr/>
-        </p:nvSpPr>
-        <p:spPr>
+        </p:nvGrpSpPr>
+        <p:grpSpPr>
           <a:xfrm>
-            <a:off x="9260542" y="2262202"/>
-            <a:ext cx="535403" cy="369332"/>
-          </a:xfrm>
-          <a:prstGeom prst="rect">
-            <a:avLst/>
-          </a:prstGeom>
-          <a:noFill/>
-        </p:spPr>
-        <p:txBody>
-          <a:bodyPr wrap="none" rtlCol="0">
-            <a:spAutoFit/>
-          </a:bodyPr>
-          <a:lstStyle/>
-          <a:p>
-            <a:r>
-              <a:rPr lang="en-US" smtClean="0"/>
-              <a:t>BTC</a:t>
-            </a:r>
-          </a:p>
-        </p:txBody>
-      </p:sp>
-      <p:sp>
-        <p:nvSpPr>
-          <p:cNvPr id="72" name="TextBox 71"/>
-          <p:cNvSpPr txBox="1"/>
-          <p:nvPr/>
-        </p:nvSpPr>
-        <p:spPr>
-          <a:xfrm>
-            <a:off x="8884370" y="6015879"/>
-            <a:ext cx="978986" cy="369332"/>
-          </a:xfrm>
-          <a:prstGeom prst="rect">
-            <a:avLst/>
-          </a:prstGeom>
-          <a:noFill/>
-        </p:spPr>
-        <p:txBody>
-          <a:bodyPr wrap="none" rtlCol="0">
-            <a:spAutoFit/>
-          </a:bodyPr>
-          <a:lstStyle/>
-          <a:p>
-            <a:r>
-              <a:rPr lang="en-US" altLang="zh-CN" smtClean="0"/>
-              <a:t>OKChain</a:t>
-            </a:r>
-            <a:endParaRPr lang="en-US" altLang="zh-CN" dirty="0" smtClean="0"/>
-          </a:p>
-        </p:txBody>
-      </p:sp>
+            <a:off x="9368155" y="3741420"/>
+            <a:ext cx="2103120" cy="2739390"/>
+            <a:chOff x="14753" y="5892"/>
+            <a:chExt cx="3312" cy="4314"/>
+          </a:xfrm>
+        </p:grpSpPr>
+        <p:pic>
+          <p:nvPicPr>
+            <p:cNvPr id="64" name="Picture 63"/>
+            <p:cNvPicPr>
+              <a:picLocks noChangeAspect="1"/>
+            </p:cNvPicPr>
+            <p:nvPr/>
+          </p:nvPicPr>
+          <p:blipFill>
+            <a:blip r:embed="rId2"/>
+            <a:stretch>
+              <a:fillRect/>
+            </a:stretch>
+          </p:blipFill>
+          <p:spPr>
+            <a:xfrm>
+              <a:off x="14753" y="5892"/>
+              <a:ext cx="3313" cy="4315"/>
+            </a:xfrm>
+            <a:prstGeom prst="rect">
+              <a:avLst/>
+            </a:prstGeom>
+            <a:solidFill>
+              <a:schemeClr val="accent4">
+                <a:lumMod val="40000"/>
+                <a:lumOff val="60000"/>
+              </a:schemeClr>
+            </a:solidFill>
+          </p:spPr>
+        </p:pic>
+        <p:sp>
+          <p:nvSpPr>
+            <p:cNvPr id="72" name="TextBox 71"/>
+            <p:cNvSpPr txBox="1"/>
+            <p:nvPr/>
+          </p:nvSpPr>
+          <p:spPr>
+            <a:xfrm>
+              <a:off x="14865" y="9473"/>
+              <a:ext cx="861" cy="580"/>
+            </a:xfrm>
+            <a:prstGeom prst="rect">
+              <a:avLst/>
+            </a:prstGeom>
+            <a:noFill/>
+          </p:spPr>
+          <p:txBody>
+            <a:bodyPr wrap="none" rtlCol="0">
+              <a:spAutoFit/>
+            </a:bodyPr>
+            <a:lstStyle/>
+            <a:p>
+              <a:r>
+                <a:rPr lang="en-US" altLang="zh-CN" smtClean="0"/>
+                <a:t>vds</a:t>
+              </a:r>
+              <a:endParaRPr lang="en-US" altLang="zh-CN" dirty="0" smtClean="0"/>
+            </a:p>
+          </p:txBody>
+        </p:sp>
+      </p:grpSp>
       <p:cxnSp>
         <p:nvCxnSpPr>
           <p:cNvPr id="39958" name="Curved Connector 39957"/>
           <p:cNvCxnSpPr>
-            <a:stCxn id="4" idx="3"/>
+            <a:stCxn id="14" idx="3"/>
             <a:endCxn id="3" idx="3"/>
           </p:cNvCxnSpPr>
           <p:nvPr/>
         </p:nvCxnSpPr>
         <p:spPr>
-          <a:xfrm rot="5400000" flipH="1" flipV="1">
-            <a:off x="8267925" y="348305"/>
-            <a:ext cx="1985876" cy="4028988"/>
-          </a:xfrm>
-          <a:prstGeom prst="curvedConnector4">
+          <a:xfrm flipV="1">
+            <a:off x="8902700" y="1537970"/>
+            <a:ext cx="2395220" cy="1849755"/>
+          </a:xfrm>
+          <a:prstGeom prst="curvedConnector3">
             <a:avLst>
-              <a:gd name="adj1" fmla="val -11511"/>
-              <a:gd name="adj2" fmla="val 105674"/>
+              <a:gd name="adj1" fmla="val 109942"/>
             </a:avLst>
           </a:prstGeom>
           <a:ln>
@@ -3889,15 +3928,15 @@
         <p:nvCxnSpPr>
           <p:cNvPr id="91" name="Curved Connector 90"/>
           <p:cNvCxnSpPr>
-            <a:stCxn id="4" idx="3"/>
+            <a:stCxn id="14" idx="2"/>
             <a:endCxn id="64" idx="1"/>
           </p:cNvCxnSpPr>
           <p:nvPr/>
         </p:nvCxnSpPr>
         <p:spPr>
-          <a:xfrm rot="16200000" flipH="1">
-            <a:off x="7375600" y="3226505"/>
-            <a:ext cx="1755710" cy="2014173"/>
+          <a:xfrm rot="5400000" flipV="1">
+            <a:off x="8197533" y="3941128"/>
+            <a:ext cx="1418590" cy="922655"/>
           </a:xfrm>
           <a:prstGeom prst="curvedConnector2">
             <a:avLst/>
@@ -3931,9 +3970,9 @@
           <p:nvPr/>
         </p:nvCxnSpPr>
         <p:spPr>
-          <a:xfrm rot="16200000" flipH="1">
-            <a:off x="5996958" y="1847862"/>
-            <a:ext cx="2892259" cy="3634909"/>
+          <a:xfrm rot="5400000" flipV="1">
+            <a:off x="6542088" y="2285683"/>
+            <a:ext cx="2433320" cy="3218815"/>
           </a:xfrm>
           <a:prstGeom prst="curvedConnector2">
             <a:avLst/>
@@ -3965,8 +4004,8 @@
         </p:nvSpPr>
         <p:spPr>
           <a:xfrm>
-            <a:off x="4775885" y="1763477"/>
-            <a:ext cx="646331" cy="369332"/>
+            <a:off x="6381165" y="2289892"/>
+            <a:ext cx="976630" cy="275590"/>
           </a:xfrm>
           <a:prstGeom prst="rect">
             <a:avLst/>
@@ -3980,10 +4019,14 @@
           <a:lstStyle/>
           <a:p>
             <a:r>
-              <a:rPr lang="zh-CN" altLang="en-US" dirty="0" smtClean="0"/>
-              <a:t>钱包</a:t>
-            </a:r>
-            <a:endParaRPr lang="en-US" dirty="0" smtClean="0"/>
+              <a:rPr lang="en-US" altLang="zh-CN" sz="1200" dirty="0" smtClean="0"/>
+              <a:t>A: </a:t>
+            </a:r>
+            <a:r>
+              <a:rPr lang="zh-CN" altLang="en-US" sz="1200" dirty="0" smtClean="0"/>
+              <a:t>跨链钱包</a:t>
+            </a:r>
+            <a:endParaRPr lang="zh-CN" altLang="en-US" sz="1200" dirty="0" smtClean="0"/>
           </a:p>
         </p:txBody>
       </p:sp>
@@ -3995,7 +4038,7 @@
         </p:nvSpPr>
         <p:spPr>
           <a:xfrm>
-            <a:off x="8034837" y="2631534"/>
+            <a:off x="8210097" y="651604"/>
             <a:ext cx="301686" cy="369332"/>
           </a:xfrm>
           <a:prstGeom prst="rect">
@@ -4013,6 +4056,7 @@
               <a:rPr lang="en-US" dirty="0" smtClean="0"/>
               <a:t>1</a:t>
             </a:r>
+            <a:endParaRPr lang="en-US" dirty="0" smtClean="0"/>
           </a:p>
         </p:txBody>
       </p:sp>
@@ -4024,8 +4068,8 @@
         </p:nvSpPr>
         <p:spPr>
           <a:xfrm>
-            <a:off x="6700530" y="2221279"/>
-            <a:ext cx="1099725" cy="369332"/>
+            <a:off x="7944495" y="2769919"/>
+            <a:ext cx="981710" cy="275590"/>
           </a:xfrm>
           <a:prstGeom prst="rect">
             <a:avLst/>
@@ -4039,10 +4083,14 @@
           <a:lstStyle/>
           <a:p>
             <a:r>
-              <a:rPr lang="zh-CN" altLang="en-US" dirty="0" smtClean="0"/>
+              <a:rPr lang="en-US" altLang="zh-CN" sz="1200" dirty="0" smtClean="0"/>
+              <a:t>B: </a:t>
+            </a:r>
+            <a:r>
+              <a:rPr lang="zh-CN" altLang="en-US" sz="1200" dirty="0" smtClean="0"/>
               <a:t>跨链服务</a:t>
             </a:r>
-            <a:endParaRPr lang="en-US" dirty="0" smtClean="0"/>
+            <a:endParaRPr lang="zh-CN" altLang="en-US" sz="1200" dirty="0" smtClean="0"/>
           </a:p>
         </p:txBody>
       </p:sp>
@@ -4084,7 +4132,7 @@
         </p:nvSpPr>
         <p:spPr>
           <a:xfrm>
-            <a:off x="7554141" y="3927234"/>
+            <a:off x="8516801" y="3999624"/>
             <a:ext cx="301686" cy="369332"/>
           </a:xfrm>
           <a:prstGeom prst="rect">
@@ -4114,7 +4162,7 @@
         </p:nvSpPr>
         <p:spPr>
           <a:xfrm>
-            <a:off x="6336895" y="4014274"/>
+            <a:off x="6856325" y="3806629"/>
             <a:ext cx="301686" cy="369332"/>
           </a:xfrm>
           <a:prstGeom prst="rect">
@@ -4144,7 +4192,7 @@
         </p:nvSpPr>
         <p:spPr>
           <a:xfrm>
-            <a:off x="7051708" y="1040627"/>
+            <a:off x="7310153" y="1653402"/>
             <a:ext cx="301686" cy="369332"/>
           </a:xfrm>
           <a:prstGeom prst="rect">
@@ -4174,7 +4222,7 @@
         </p:nvSpPr>
         <p:spPr>
           <a:xfrm>
-            <a:off x="6012239" y="2370390"/>
+            <a:off x="5996364" y="1300415"/>
             <a:ext cx="301686" cy="369332"/>
           </a:xfrm>
           <a:prstGeom prst="rect">
@@ -4205,7 +4253,7 @@
         <p:spPr>
           <a:xfrm>
             <a:off x="258814" y="651756"/>
-            <a:ext cx="4517071" cy="5509200"/>
+            <a:ext cx="4517071" cy="6000750"/>
           </a:xfrm>
           <a:prstGeom prst="rect">
             <a:avLst/>
@@ -4326,19 +4374,7 @@
               <a:rPr lang="zh-CN" altLang="en-US" sz="1600" i="1" dirty="0" smtClean="0">
                 <a:sym typeface="+mn-ea"/>
               </a:rPr>
-              <a:t>跨链</a:t>
-            </a:r>
-            <a:r>
-              <a:rPr lang="zh-CN" altLang="en-US" sz="1600" i="1" dirty="0" smtClean="0">
-                <a:sym typeface="+mn-ea"/>
-              </a:rPr>
-              <a:t>服务</a:t>
-            </a:r>
-            <a:r>
-              <a:rPr lang="zh-CN" altLang="en-US" sz="1600" i="1" dirty="0" smtClean="0">
-                <a:sym typeface="+mn-ea"/>
-              </a:rPr>
-              <a:t>从</a:t>
+              <a:t>跨链服务从</a:t>
             </a:r>
             <a:r>
               <a:rPr lang="en-US" altLang="zh-CN" sz="1600" i="1" dirty="0" smtClean="0">
@@ -4358,6 +4394,9 @@
               </a:rPr>
               <a:t>UTXO</a:t>
             </a:r>
+            <a:endParaRPr lang="en-US" altLang="zh-CN" sz="1600" i="1" dirty="0" smtClean="0">
+              <a:sym typeface="+mn-ea"/>
+            </a:endParaRPr>
           </a:p>
           <a:p>
             <a:pPr lvl="0" algn="l" eaLnBrk="1" hangingPunct="1">
@@ -4374,7 +4413,13 @@
               <a:rPr lang="zh-CN" altLang="en-US" sz="1600" i="1" dirty="0" smtClean="0">
                 <a:sym typeface="+mn-ea"/>
               </a:rPr>
-              <a:t>钱包发起跨链转账前，先去跨链服务查询</a:t>
+              <a:t>钱包发起跨链转账前，先去区块浏览器</a:t>
+            </a:r>
+            <a:r>
+              <a:rPr lang="zh-CN" altLang="en-US" sz="1600" i="1" dirty="0" smtClean="0">
+                <a:sym typeface="+mn-ea"/>
+              </a:rPr>
+              <a:t>查询</a:t>
             </a:r>
             <a:r>
               <a:rPr lang="en-US" altLang="zh-CN" sz="1600" i="1" dirty="0" smtClean="0">
@@ -4382,6 +4427,9 @@
               </a:rPr>
               <a:t>UTXO</a:t>
             </a:r>
+            <a:endParaRPr lang="en-US" altLang="zh-CN" sz="1600" i="1" dirty="0" smtClean="0">
+              <a:sym typeface="+mn-ea"/>
+            </a:endParaRPr>
           </a:p>
           <a:p>
             <a:pPr lvl="0" algn="l" eaLnBrk="1" hangingPunct="1">
@@ -4525,6 +4573,51 @@
                 <a:sym typeface="+mn-ea"/>
               </a:rPr>
               <a:t>token</a:t>
+            </a:r>
+            <a:endParaRPr lang="en-US" altLang="zh-CN" sz="1600" i="1" dirty="0" smtClean="0">
+              <a:sym typeface="+mn-ea"/>
+            </a:endParaRPr>
+          </a:p>
+          <a:p>
+            <a:pPr lvl="0" eaLnBrk="1" hangingPunct="1">
+              <a:lnSpc>
+                <a:spcPct val="200000"/>
+              </a:lnSpc>
+              <a:spcBef>
+                <a:spcPct val="0"/>
+              </a:spcBef>
+              <a:buFont typeface="+mj-lt"/>
+              <a:buAutoNum type="arabicPeriod"/>
+            </a:pPr>
+            <a:r>
+              <a:rPr lang="zh-CN" altLang="en-US" sz="1600" i="1" dirty="0" smtClean="0">
+                <a:sym typeface="+mn-ea"/>
+              </a:rPr>
+              <a:t>钱包从</a:t>
+            </a:r>
+            <a:r>
+              <a:rPr lang="en-US" altLang="zh-CN" sz="1600" i="1" dirty="0" smtClean="0">
+                <a:sym typeface="+mn-ea"/>
+              </a:rPr>
+              <a:t>vds</a:t>
+            </a:r>
+            <a:r>
+              <a:rPr lang="zh-CN" altLang="en-US" sz="1600" i="1" dirty="0" smtClean="0">
+                <a:sym typeface="+mn-ea"/>
+              </a:rPr>
+              <a:t>网络获取</a:t>
+            </a:r>
+            <a:r>
+              <a:rPr lang="en-US" altLang="zh-CN" sz="1600" i="1" dirty="0" smtClean="0">
+                <a:sym typeface="+mn-ea"/>
+              </a:rPr>
+              <a:t>vds</a:t>
+            </a:r>
+            <a:r>
+              <a:rPr lang="zh-CN" altLang="en-US" sz="1600" i="1" dirty="0" smtClean="0">
+                <a:sym typeface="+mn-ea"/>
+              </a:rPr>
+              <a:t>的余额</a:t>
             </a:r>
             <a:endParaRPr lang="en-US" altLang="zh-CN" sz="1600" i="1" dirty="0" smtClean="0">
               <a:sym typeface="+mn-ea"/>
@@ -4577,12 +4670,196 @@
           </a:p>
         </p:txBody>
       </p:sp>
+      <p:sp>
+        <p:nvSpPr>
+          <p:cNvPr id="9" name="TextBox 102"/>
+          <p:cNvSpPr txBox="1"/>
+          <p:nvPr/>
+        </p:nvSpPr>
+        <p:spPr>
+          <a:xfrm>
+            <a:off x="6746885" y="209599"/>
+            <a:ext cx="1207770" cy="275590"/>
+          </a:xfrm>
+          <a:prstGeom prst="rect">
+            <a:avLst/>
+          </a:prstGeom>
+          <a:noFill/>
+        </p:spPr>
+        <p:txBody>
+          <a:bodyPr wrap="none" rtlCol="0">
+            <a:spAutoFit/>
+          </a:bodyPr>
+          <a:p>
+            <a:r>
+              <a:rPr lang="en-US" sz="1200" dirty="0" smtClean="0"/>
+              <a:t>btc </a:t>
+            </a:r>
+            <a:r>
+              <a:rPr lang="zh-CN" altLang="en-US" sz="1200" dirty="0" smtClean="0"/>
+              <a:t>区块浏览器</a:t>
+            </a:r>
+            <a:endParaRPr lang="zh-CN" altLang="en-US" sz="1200" dirty="0" smtClean="0"/>
+          </a:p>
+        </p:txBody>
+      </p:sp>
+      <p:sp>
+        <p:nvSpPr>
+          <p:cNvPr id="10" name="Can 9"/>
+          <p:cNvSpPr/>
+          <p:nvPr/>
+        </p:nvSpPr>
+        <p:spPr>
+          <a:xfrm>
+            <a:off x="6697941" y="5141992"/>
+            <a:ext cx="597745" cy="787400"/>
+          </a:xfrm>
+          <a:prstGeom prst="can">
+            <a:avLst/>
+          </a:prstGeom>
+          <a:solidFill>
+            <a:schemeClr val="accent2"/>
+          </a:solidFill>
+        </p:spPr>
+        <p:style>
+          <a:lnRef idx="2">
+            <a:schemeClr val="accent1">
+              <a:shade val="50000"/>
+            </a:schemeClr>
+          </a:lnRef>
+          <a:fillRef idx="1">
+            <a:schemeClr val="accent1"/>
+          </a:fillRef>
+          <a:effectRef idx="0">
+            <a:schemeClr val="accent1"/>
+          </a:effectRef>
+          <a:fontRef idx="minor">
+            <a:schemeClr val="lt1"/>
+          </a:fontRef>
+        </p:style>
+        <p:txBody>
+          <a:bodyPr rtlCol="0" anchor="ctr"/>
+          <a:p>
+            <a:pPr algn="ctr"/>
+            <a:endParaRPr lang="en-US"/>
+          </a:p>
+        </p:txBody>
+      </p:sp>
+      <p:sp>
+        <p:nvSpPr>
+          <p:cNvPr id="12" name="TextBox 102"/>
+          <p:cNvSpPr txBox="1"/>
+          <p:nvPr/>
+        </p:nvSpPr>
+        <p:spPr>
+          <a:xfrm>
+            <a:off x="6361440" y="5909359"/>
+            <a:ext cx="1467485" cy="275590"/>
+          </a:xfrm>
+          <a:prstGeom prst="rect">
+            <a:avLst/>
+          </a:prstGeom>
+          <a:noFill/>
+        </p:spPr>
+        <p:txBody>
+          <a:bodyPr wrap="none" rtlCol="0">
+            <a:spAutoFit/>
+          </a:bodyPr>
+          <a:p>
+            <a:r>
+              <a:rPr lang="en-US" sz="1200" dirty="0" smtClean="0"/>
+              <a:t>C:  vds</a:t>
+            </a:r>
+            <a:r>
+              <a:rPr lang="en-US" sz="1200" dirty="0" smtClean="0"/>
+              <a:t> </a:t>
+            </a:r>
+            <a:r>
+              <a:rPr lang="zh-CN" altLang="en-US" sz="1200" dirty="0" smtClean="0"/>
+              <a:t>区块浏览器</a:t>
+            </a:r>
+            <a:endParaRPr lang="zh-CN" altLang="en-US" sz="1200" dirty="0" smtClean="0"/>
+          </a:p>
+        </p:txBody>
+      </p:sp>
+      <p:cxnSp>
+        <p:nvCxnSpPr>
+          <p:cNvPr id="13" name="Curved Connector 12"/>
+          <p:cNvCxnSpPr>
+            <a:stCxn id="10" idx="4"/>
+            <a:endCxn id="64" idx="1"/>
+          </p:cNvCxnSpPr>
+          <p:nvPr/>
+        </p:nvCxnSpPr>
+        <p:spPr>
+          <a:xfrm flipV="1">
+            <a:off x="7295515" y="5111750"/>
+            <a:ext cx="2072640" cy="424180"/>
+          </a:xfrm>
+          <a:prstGeom prst="curvedConnector3">
+            <a:avLst>
+              <a:gd name="adj1" fmla="val 50000"/>
+            </a:avLst>
+          </a:prstGeom>
+          <a:ln>
+            <a:tailEnd type="triangle"/>
+          </a:ln>
+        </p:spPr>
+        <p:style>
+          <a:lnRef idx="1">
+            <a:schemeClr val="accent1"/>
+          </a:lnRef>
+          <a:fillRef idx="0">
+            <a:schemeClr val="accent1"/>
+          </a:fillRef>
+          <a:effectRef idx="0">
+            <a:schemeClr val="accent1"/>
+          </a:effectRef>
+          <a:fontRef idx="minor">
+            <a:schemeClr val="tx1"/>
+          </a:fontRef>
+        </p:style>
+      </p:cxnSp>
+      <p:sp>
+        <p:nvSpPr>
+          <p:cNvPr id="14" name="Flowchart: Alternate Process 13"/>
+          <p:cNvSpPr/>
+          <p:nvPr/>
+        </p:nvSpPr>
+        <p:spPr>
+          <a:xfrm>
+            <a:off x="7988300" y="3081655"/>
+            <a:ext cx="914400" cy="611505"/>
+          </a:xfrm>
+          <a:prstGeom prst="flowChartAlternateProcess">
+            <a:avLst/>
+          </a:prstGeom>
+        </p:spPr>
+        <p:style>
+          <a:lnRef idx="2">
+            <a:schemeClr val="accent1">
+              <a:shade val="50000"/>
+            </a:schemeClr>
+          </a:lnRef>
+          <a:fillRef idx="1">
+            <a:schemeClr val="accent1"/>
+          </a:fillRef>
+          <a:effectRef idx="0">
+            <a:schemeClr val="accent1"/>
+          </a:effectRef>
+          <a:fontRef idx="minor">
+            <a:schemeClr val="lt1"/>
+          </a:fontRef>
+        </p:style>
+        <p:txBody>
+          <a:bodyPr rtlCol="0" anchor="ctr"/>
+          <a:p>
+            <a:pPr algn="ctr"/>
+            <a:endParaRPr lang="en-US"/>
+          </a:p>
+        </p:txBody>
+      </p:sp>
     </p:spTree>
-    <p:extLst>
-      <p:ext uri="{BB962C8B-B14F-4D97-AF65-F5344CB8AC3E}">
-        <p14:creationId xmlns:p14="http://schemas.microsoft.com/office/powerpoint/2010/main" val="755391777"/>
-      </p:ext>
-    </p:extLst>
   </p:cSld>
   <p:clrMapOvr>
     <a:masterClrMapping/>
@@ -4848,8 +5125,6 @@
       </a:bgFillStyleLst>
     </a:fmtScheme>
   </a:themeElements>
-  <a:objectDefaults/>
-  <a:extraClrSchemeLst/>
   <a:extLst>
     <a:ext uri="{05A4C25C-085E-4340-85A3-A5531E510DB2}">
       <thm15:themeFamily xmlns:thm15="http://schemas.microsoft.com/office/thememl/2012/main" name="Office Theme" id="{62F939B6-93AF-4DB8-9C6B-D6C7DFDC589F}" vid="{4A3C46E8-61CC-4603-A589-7422A47A8E4A}"/>
@@ -5109,8 +5384,6 @@
       </a:bgFillStyleLst>
     </a:fmtScheme>
   </a:themeElements>
-  <a:objectDefaults/>
-  <a:extraClrSchemeLst/>
   <a:extLst>
     <a:ext uri="{05A4C25C-085E-4340-85A3-A5531E510DB2}">
       <thm15:themeFamily xmlns:thm15="http://schemas.microsoft.com/office/thememl/2012/main" name="Office Theme" id="{62F939B6-93AF-4DB8-9C6B-D6C7DFDC589F}" vid="{4A3C46E8-61CC-4603-A589-7422A47A8E4A}"/>
